--- a/DB_PPT.pptx
+++ b/DB_PPT.pptx
@@ -234,7 +234,7 @@
               <a:pPr lvl="0">
                 <a:defRPr/>
               </a:pPr>
-              <a:t>2022-02-19</a:t>
+              <a:t>2022-03-30</a:t>
             </a:fld>
             <a:endParaRPr lang="ko-KR" altLang="en-US"/>
           </a:p>
@@ -421,7 +421,7 @@
               <a:pPr lvl="0">
                 <a:defRPr/>
               </a:pPr>
-              <a:t>2022-02-19</a:t>
+              <a:t>2022-03-30</a:t>
             </a:fld>
             <a:endParaRPr lang="ko-KR" altLang="en-US"/>
           </a:p>
@@ -5458,8 +5458,8 @@
         </p:nvSpPr>
         <p:spPr>
           <a:xfrm>
-            <a:off x="101600" y="158119"/>
-            <a:ext cx="685765" cy="307777"/>
+            <a:off x="101598" y="158118"/>
+            <a:ext cx="4380867" cy="725802"/>
           </a:xfrm>
           <a:prstGeom prst="rect">
             <a:avLst/>
@@ -5481,9 +5481,37 @@
                   <a:schemeClr val="bg1"/>
                 </a:solidFill>
               </a:rPr>
-              <a:t>Team  8</a:t>
-            </a:r>
-            <a:endParaRPr lang="ko-KR" altLang="en-US" sz="1400" spc="-150">
+              <a:t>YeungNam University Information and Communication Team Project</a:t>
+            </a:r>
+            <a:endParaRPr lang="en-US" altLang="ko-KR" sz="1400" spc="-150">
+              <a:solidFill>
+                <a:schemeClr val="bg1"/>
+              </a:solidFill>
+            </a:endParaRPr>
+          </a:p>
+          <a:p>
+            <a:pPr lvl="0">
+              <a:defRPr/>
+            </a:pPr>
+            <a:endParaRPr lang="en-US" altLang="ko-KR" sz="1400" spc="-150">
+              <a:solidFill>
+                <a:schemeClr val="bg1"/>
+              </a:solidFill>
+            </a:endParaRPr>
+          </a:p>
+          <a:p>
+            <a:pPr lvl="0">
+              <a:defRPr/>
+            </a:pPr>
+            <a:r>
+              <a:rPr lang="en-US" altLang="ko-KR" sz="1400" spc="-150">
+                <a:solidFill>
+                  <a:schemeClr val="bg1"/>
+                </a:solidFill>
+              </a:rPr>
+              <a:t>Web , DB developed by Jung Jin Young, Ji Jun Young</a:t>
+            </a:r>
+            <a:endParaRPr lang="en-US" altLang="ko-KR" sz="1400" spc="-150">
               <a:solidFill>
                 <a:schemeClr val="bg1"/>
               </a:solidFill>
